--- a/power_point/proyecto IS.pptx
+++ b/power_point/proyecto IS.pptx
@@ -18,6 +18,7 @@
     <p:sldId id="263" r:id="rId13"/>
     <p:sldId id="264" r:id="rId14"/>
     <p:sldId id="265" r:id="rId15"/>
+    <p:sldId id="266" r:id="rId16"/>
   </p:sldIdLst>
   <p:sldSz cy="5143500" cx="9144000"/>
   <p:notesSz cx="6858000" cy="9144000"/>
@@ -813,7 +814,7 @@
       </p:grpSpPr>
       <p:sp>
         <p:nvSpPr>
-          <p:cNvPr id="114" name="Google Shape;114;g252c537831f_0_0:notes"/>
+          <p:cNvPr id="114" name="Google Shape;114;g1eb3716616d_0_0:notes"/>
           <p:cNvSpPr/>
           <p:nvPr>
             <p:ph idx="2" type="sldImg"/>
@@ -848,7 +849,106 @@
       </p:sp>
       <p:sp>
         <p:nvSpPr>
-          <p:cNvPr id="115" name="Google Shape;115;g252c537831f_0_0:notes"/>
+          <p:cNvPr id="115" name="Google Shape;115;g1eb3716616d_0_0:notes"/>
+          <p:cNvSpPr txBox="1"/>
+          <p:nvPr>
+            <p:ph idx="1" type="body"/>
+          </p:nvPr>
+        </p:nvSpPr>
+        <p:spPr>
+          <a:xfrm>
+            <a:off x="685800" y="4343400"/>
+            <a:ext cx="5486400" cy="4114800"/>
+          </a:xfrm>
+          <a:prstGeom prst="rect">
+            <a:avLst/>
+          </a:prstGeom>
+        </p:spPr>
+        <p:txBody>
+          <a:bodyPr anchorCtr="0" anchor="t" bIns="91425" lIns="91425" spcFirstLastPara="1" rIns="91425" wrap="square" tIns="91425">
+            <a:noAutofit/>
+          </a:bodyPr>
+          <a:lstStyle/>
+          <a:p>
+            <a:pPr indent="0" lvl="0" marL="0" rtl="0" algn="l">
+              <a:spcBef>
+                <a:spcPts val="0"/>
+              </a:spcBef>
+              <a:spcAft>
+                <a:spcPts val="0"/>
+              </a:spcAft>
+              <a:buNone/>
+            </a:pPr>
+            <a:r>
+              <a:t/>
+            </a:r>
+            <a:endParaRPr/>
+          </a:p>
+        </p:txBody>
+      </p:sp>
+    </p:spTree>
+  </p:cSld>
+  <p:clrMapOvr>
+    <a:masterClrMapping/>
+  </p:clrMapOvr>
+</p:notes>
+</file>
+
+<file path=ppt/notesSlides/notesSlide11.xml><?xml version="1.0" encoding="utf-8"?>
+<p:notes xmlns:a="http://schemas.openxmlformats.org/drawingml/2006/main" xmlns:r="http://schemas.openxmlformats.org/officeDocument/2006/relationships" xmlns:mc="http://schemas.openxmlformats.org/markup-compatibility/2006" xmlns:mv="urn:schemas-microsoft-com:mac:vml" xmlns:p="http://schemas.openxmlformats.org/presentationml/2006/main" xmlns:c="http://schemas.openxmlformats.org/drawingml/2006/chart" xmlns:dgm="http://schemas.openxmlformats.org/drawingml/2006/diagram" xmlns:o="urn:schemas-microsoft-com:office:office" xmlns:v="urn:schemas-microsoft-com:vml" xmlns:pvml="urn:schemas-microsoft-com:office:powerpoint" xmlns:com="http://schemas.openxmlformats.org/drawingml/2006/compatibility" xmlns:p14="http://schemas.microsoft.com/office/powerpoint/2010/main" xmlns:p15="http://schemas.microsoft.com/office/powerpoint/2012/main" xmlns:ahyp="http://schemas.microsoft.com/office/drawing/2018/hyperlinkcolor" showMasterPhAnim="0" showMasterSp="0">
+  <p:cSld>
+    <p:spTree>
+      <p:nvGrpSpPr>
+        <p:cNvPr id="121" name="Shape 121"/>
+        <p:cNvGrpSpPr/>
+        <p:nvPr/>
+      </p:nvGrpSpPr>
+      <p:grpSpPr>
+        <a:xfrm>
+          <a:off x="0" y="0"/>
+          <a:ext cx="0" cy="0"/>
+          <a:chOff x="0" y="0"/>
+          <a:chExt cx="0" cy="0"/>
+        </a:xfrm>
+      </p:grpSpPr>
+      <p:sp>
+        <p:nvSpPr>
+          <p:cNvPr id="122" name="Google Shape;122;g252c537831f_0_0:notes"/>
+          <p:cNvSpPr/>
+          <p:nvPr>
+            <p:ph idx="2" type="sldImg"/>
+          </p:nvPr>
+        </p:nvSpPr>
+        <p:spPr>
+          <a:xfrm>
+            <a:off x="381300" y="685800"/>
+            <a:ext cx="6096000" cy="3429000"/>
+          </a:xfrm>
+          <a:custGeom>
+            <a:rect b="b" l="l" r="r" t="t"/>
+            <a:pathLst>
+              <a:path extrusionOk="0" h="120000" w="120000">
+                <a:moveTo>
+                  <a:pt x="0" y="0"/>
+                </a:moveTo>
+                <a:lnTo>
+                  <a:pt x="120000" y="0"/>
+                </a:lnTo>
+                <a:lnTo>
+                  <a:pt x="120000" y="120000"/>
+                </a:lnTo>
+                <a:lnTo>
+                  <a:pt x="0" y="120000"/>
+                </a:lnTo>
+                <a:close/>
+              </a:path>
+            </a:pathLst>
+          </a:custGeom>
+        </p:spPr>
+      </p:sp>
+      <p:sp>
+        <p:nvSpPr>
+          <p:cNvPr id="123" name="Google Shape;123;g252c537831f_0_0:notes"/>
           <p:cNvSpPr txBox="1"/>
           <p:nvPr>
             <p:ph idx="1" type="body"/>
@@ -6492,9 +6592,203 @@
           <a:chExt cx="0" cy="0"/>
         </a:xfrm>
       </p:grpSpPr>
+      <p:sp>
+        <p:nvSpPr>
+          <p:cNvPr id="117" name="Google Shape;117;p22"/>
+          <p:cNvSpPr txBox="1"/>
+          <p:nvPr>
+            <p:ph type="title"/>
+          </p:nvPr>
+        </p:nvSpPr>
+        <p:spPr>
+          <a:xfrm>
+            <a:off x="144625" y="181750"/>
+            <a:ext cx="8520600" cy="841800"/>
+          </a:xfrm>
+          <a:prstGeom prst="rect">
+            <a:avLst/>
+          </a:prstGeom>
+        </p:spPr>
+        <p:txBody>
+          <a:bodyPr anchorCtr="0" anchor="ctr" bIns="91425" lIns="91425" spcFirstLastPara="1" rIns="91425" wrap="square" tIns="91425">
+            <a:normAutofit/>
+          </a:bodyPr>
+          <a:lstStyle/>
+          <a:p>
+            <a:pPr indent="0" lvl="0" marL="0" rtl="0" algn="l">
+              <a:spcBef>
+                <a:spcPts val="0"/>
+              </a:spcBef>
+              <a:spcAft>
+                <a:spcPts val="0"/>
+              </a:spcAft>
+              <a:buNone/>
+            </a:pPr>
+            <a:r>
+              <a:rPr lang="es-419"/>
+              <a:t>RuboCop</a:t>
+            </a:r>
+            <a:endParaRPr/>
+          </a:p>
+        </p:txBody>
+      </p:sp>
+      <p:sp>
+        <p:nvSpPr>
+          <p:cNvPr id="118" name="Google Shape;118;p22"/>
+          <p:cNvSpPr txBox="1"/>
+          <p:nvPr/>
+        </p:nvSpPr>
+        <p:spPr>
+          <a:xfrm>
+            <a:off x="2270100" y="181750"/>
+            <a:ext cx="6873900" cy="1293000"/>
+          </a:xfrm>
+          <a:prstGeom prst="rect">
+            <a:avLst/>
+          </a:prstGeom>
+          <a:noFill/>
+          <a:ln>
+            <a:noFill/>
+          </a:ln>
+        </p:spPr>
+        <p:txBody>
+          <a:bodyPr anchorCtr="0" anchor="t" bIns="91425" lIns="91425" spcFirstLastPara="1" rIns="91425" wrap="square" tIns="91425">
+            <a:spAutoFit/>
+          </a:bodyPr>
+          <a:lstStyle/>
+          <a:p>
+            <a:pPr indent="-342900" lvl="0" marL="457200" rtl="0" algn="l">
+              <a:spcBef>
+                <a:spcPts val="0"/>
+              </a:spcBef>
+              <a:spcAft>
+                <a:spcPts val="0"/>
+              </a:spcAft>
+              <a:buClr>
+                <a:schemeClr val="dk2"/>
+              </a:buClr>
+              <a:buSzPts val="1800"/>
+              <a:buChar char="●"/>
+            </a:pPr>
+            <a:r>
+              <a:rPr lang="es-419" sz="1800">
+                <a:solidFill>
+                  <a:schemeClr val="dk2"/>
+                </a:solidFill>
+              </a:rPr>
+              <a:t>Method names: snake case.</a:t>
+            </a:r>
+            <a:endParaRPr sz="1800">
+              <a:solidFill>
+                <a:schemeClr val="dk2"/>
+              </a:solidFill>
+            </a:endParaRPr>
+          </a:p>
+          <a:p>
+            <a:pPr indent="-342900" lvl="0" marL="457200" rtl="0" algn="l">
+              <a:spcBef>
+                <a:spcPts val="0"/>
+              </a:spcBef>
+              <a:spcAft>
+                <a:spcPts val="0"/>
+              </a:spcAft>
+              <a:buClr>
+                <a:schemeClr val="dk2"/>
+              </a:buClr>
+              <a:buSzPts val="1800"/>
+              <a:buChar char="●"/>
+            </a:pPr>
+            <a:r>
+              <a:rPr lang="es-419" sz="1800">
+                <a:solidFill>
+                  <a:schemeClr val="dk2"/>
+                </a:solidFill>
+              </a:rPr>
+              <a:t>Mover fuera del condicional </a:t>
+            </a:r>
+            <a:r>
+              <a:rPr lang="es-419" sz="1800">
+                <a:solidFill>
+                  <a:schemeClr val="dk2"/>
+                </a:solidFill>
+              </a:rPr>
+              <a:t>líneas</a:t>
+            </a:r>
+            <a:r>
+              <a:rPr lang="es-419" sz="1800">
+                <a:solidFill>
+                  <a:schemeClr val="dk2"/>
+                </a:solidFill>
+              </a:rPr>
+              <a:t> repetidas.</a:t>
+            </a:r>
+            <a:endParaRPr sz="1800">
+              <a:solidFill>
+                <a:schemeClr val="dk2"/>
+              </a:solidFill>
+            </a:endParaRPr>
+          </a:p>
+          <a:p>
+            <a:pPr indent="-342900" lvl="0" marL="457200" rtl="0" algn="l">
+              <a:spcBef>
+                <a:spcPts val="0"/>
+              </a:spcBef>
+              <a:spcAft>
+                <a:spcPts val="0"/>
+              </a:spcAft>
+              <a:buClr>
+                <a:schemeClr val="dk2"/>
+              </a:buClr>
+              <a:buSzPts val="1800"/>
+              <a:buChar char="●"/>
+            </a:pPr>
+            <a:r>
+              <a:rPr lang="es-419" sz="1800">
+                <a:solidFill>
+                  <a:schemeClr val="dk2"/>
+                </a:solidFill>
+              </a:rPr>
+              <a:t>Ofensas en base a los estilos y líneas de código muy largas.</a:t>
+            </a:r>
+            <a:endParaRPr sz="1800">
+              <a:solidFill>
+                <a:schemeClr val="dk2"/>
+              </a:solidFill>
+            </a:endParaRPr>
+          </a:p>
+          <a:p>
+            <a:pPr indent="-342900" lvl="0" marL="457200" rtl="0" algn="l">
+              <a:spcBef>
+                <a:spcPts val="0"/>
+              </a:spcBef>
+              <a:spcAft>
+                <a:spcPts val="0"/>
+              </a:spcAft>
+              <a:buClr>
+                <a:schemeClr val="dk2"/>
+              </a:buClr>
+              <a:buSzPts val="1800"/>
+              <a:buChar char="●"/>
+            </a:pPr>
+            <a:r>
+              <a:rPr lang="es-419" sz="1800">
+                <a:solidFill>
+                  <a:schemeClr val="dk2"/>
+                </a:solidFill>
+              </a:rPr>
+              <a:t>Extract Method: uso de controladores.</a:t>
+            </a:r>
+            <a:endParaRPr sz="1800">
+              <a:solidFill>
+                <a:schemeClr val="dk2"/>
+              </a:solidFill>
+            </a:endParaRPr>
+          </a:p>
+        </p:txBody>
+      </p:sp>
       <p:pic>
         <p:nvPicPr>
-          <p:cNvPr id="117" name="Google Shape;117;p22"/>
+          <p:cNvPr id="119" name="Google Shape;119;p22"/>
           <p:cNvPicPr preferRelativeResize="0"/>
           <p:nvPr/>
         </p:nvPicPr>
@@ -6508,8 +6802,8 @@
         </p:blipFill>
         <p:spPr>
           <a:xfrm>
-            <a:off x="0" y="661150"/>
-            <a:ext cx="9144000" cy="4482360"/>
+            <a:off x="152400" y="1627150"/>
+            <a:ext cx="4960721" cy="3363950"/>
           </a:xfrm>
           <a:prstGeom prst="rect">
             <a:avLst/>
@@ -6520,9 +6814,90 @@
           </a:ln>
         </p:spPr>
       </p:pic>
+      <p:pic>
+        <p:nvPicPr>
+          <p:cNvPr id="120" name="Google Shape;120;p22"/>
+          <p:cNvPicPr preferRelativeResize="0"/>
+          <p:nvPr/>
+        </p:nvPicPr>
+        <p:blipFill>
+          <a:blip r:embed="rId4">
+            <a:alphaModFix/>
+          </a:blip>
+          <a:stretch>
+            <a:fillRect/>
+          </a:stretch>
+        </p:blipFill>
+        <p:spPr>
+          <a:xfrm>
+            <a:off x="5381825" y="2613975"/>
+            <a:ext cx="3475750" cy="1390300"/>
+          </a:xfrm>
+          <a:prstGeom prst="rect">
+            <a:avLst/>
+          </a:prstGeom>
+          <a:noFill/>
+          <a:ln>
+            <a:noFill/>
+          </a:ln>
+        </p:spPr>
+      </p:pic>
+    </p:spTree>
+  </p:cSld>
+  <p:clrMapOvr>
+    <a:masterClrMapping/>
+  </p:clrMapOvr>
+</p:sld>
+</file>
+
+<file path=ppt/slides/slide11.xml><?xml version="1.0" encoding="utf-8"?>
+<p:sld xmlns:a="http://schemas.openxmlformats.org/drawingml/2006/main" xmlns:r="http://schemas.openxmlformats.org/officeDocument/2006/relationships" xmlns:mc="http://schemas.openxmlformats.org/markup-compatibility/2006" xmlns:mv="urn:schemas-microsoft-com:mac:vml" xmlns:p="http://schemas.openxmlformats.org/presentationml/2006/main" xmlns:c="http://schemas.openxmlformats.org/drawingml/2006/chart" xmlns:dgm="http://schemas.openxmlformats.org/drawingml/2006/diagram" xmlns:o="urn:schemas-microsoft-com:office:office" xmlns:v="urn:schemas-microsoft-com:vml" xmlns:pvml="urn:schemas-microsoft-com:office:powerpoint" xmlns:com="http://schemas.openxmlformats.org/drawingml/2006/compatibility" xmlns:p14="http://schemas.microsoft.com/office/powerpoint/2010/main" xmlns:p15="http://schemas.microsoft.com/office/powerpoint/2012/main" xmlns:ahyp="http://schemas.microsoft.com/office/drawing/2018/hyperlinkcolor">
+  <p:cSld>
+    <p:spTree>
+      <p:nvGrpSpPr>
+        <p:cNvPr id="124" name="Shape 124"/>
+        <p:cNvGrpSpPr/>
+        <p:nvPr/>
+      </p:nvGrpSpPr>
+      <p:grpSpPr>
+        <a:xfrm>
+          <a:off x="0" y="0"/>
+          <a:ext cx="0" cy="0"/>
+          <a:chOff x="0" y="0"/>
+          <a:chExt cx="0" cy="0"/>
+        </a:xfrm>
+      </p:grpSpPr>
+      <p:pic>
+        <p:nvPicPr>
+          <p:cNvPr id="125" name="Google Shape;125;p23"/>
+          <p:cNvPicPr preferRelativeResize="0"/>
+          <p:nvPr/>
+        </p:nvPicPr>
+        <p:blipFill>
+          <a:blip r:embed="rId3">
+            <a:alphaModFix/>
+          </a:blip>
+          <a:stretch>
+            <a:fillRect/>
+          </a:stretch>
+        </p:blipFill>
+        <p:spPr>
+          <a:xfrm>
+            <a:off x="0" y="661150"/>
+            <a:ext cx="9144000" cy="4482360"/>
+          </a:xfrm>
+          <a:prstGeom prst="rect">
+            <a:avLst/>
+          </a:prstGeom>
+          <a:noFill/>
+          <a:ln>
+            <a:noFill/>
+          </a:ln>
+        </p:spPr>
+      </p:pic>
       <p:sp>
         <p:nvSpPr>
-          <p:cNvPr id="118" name="Google Shape;118;p22"/>
+          <p:cNvPr id="126" name="Google Shape;126;p23"/>
           <p:cNvSpPr txBox="1"/>
           <p:nvPr>
             <p:ph type="title"/>

--- a/power_point/proyecto IS.pptx
+++ b/power_point/proyecto IS.pptx
@@ -800,7 +800,7 @@
   <p:cSld>
     <p:spTree>
       <p:nvGrpSpPr>
-        <p:cNvPr id="113" name="Shape 113"/>
+        <p:cNvPr id="114" name="Shape 114"/>
         <p:cNvGrpSpPr/>
         <p:nvPr/>
       </p:nvGrpSpPr>
@@ -814,7 +814,7 @@
       </p:grpSpPr>
       <p:sp>
         <p:nvSpPr>
-          <p:cNvPr id="114" name="Google Shape;114;g1eb3716616d_0_0:notes"/>
+          <p:cNvPr id="115" name="Google Shape;115;g1eb3716616d_0_0:notes"/>
           <p:cNvSpPr/>
           <p:nvPr>
             <p:ph idx="2" type="sldImg"/>
@@ -849,7 +849,7 @@
       </p:sp>
       <p:sp>
         <p:nvSpPr>
-          <p:cNvPr id="115" name="Google Shape;115;g1eb3716616d_0_0:notes"/>
+          <p:cNvPr id="116" name="Google Shape;116;g1eb3716616d_0_0:notes"/>
           <p:cNvSpPr txBox="1"/>
           <p:nvPr>
             <p:ph idx="1" type="body"/>
@@ -899,7 +899,7 @@
   <p:cSld>
     <p:spTree>
       <p:nvGrpSpPr>
-        <p:cNvPr id="121" name="Shape 121"/>
+        <p:cNvPr id="122" name="Shape 122"/>
         <p:cNvGrpSpPr/>
         <p:nvPr/>
       </p:nvGrpSpPr>
@@ -913,7 +913,7 @@
       </p:grpSpPr>
       <p:sp>
         <p:nvSpPr>
-          <p:cNvPr id="122" name="Google Shape;122;g252c537831f_0_0:notes"/>
+          <p:cNvPr id="123" name="Google Shape;123;g252c537831f_0_0:notes"/>
           <p:cNvSpPr/>
           <p:nvPr>
             <p:ph idx="2" type="sldImg"/>
@@ -948,7 +948,7 @@
       </p:sp>
       <p:sp>
         <p:nvSpPr>
-          <p:cNvPr id="123" name="Google Shape;123;g252c537831f_0_0:notes"/>
+          <p:cNvPr id="124" name="Google Shape;124;g252c537831f_0_0:notes"/>
           <p:cNvSpPr txBox="1"/>
           <p:nvPr>
             <p:ph idx="1" type="body"/>
@@ -1493,7 +1493,7 @@
   <p:cSld>
     <p:spTree>
       <p:nvGrpSpPr>
-        <p:cNvPr id="94" name="Shape 94"/>
+        <p:cNvPr id="95" name="Shape 95"/>
         <p:cNvGrpSpPr/>
         <p:nvPr/>
       </p:nvGrpSpPr>
@@ -1507,7 +1507,7 @@
       </p:grpSpPr>
       <p:sp>
         <p:nvSpPr>
-          <p:cNvPr id="95" name="Google Shape;95;g1eb3639a507_9_17:notes"/>
+          <p:cNvPr id="96" name="Google Shape;96;g1eb3639a507_9_17:notes"/>
           <p:cNvSpPr/>
           <p:nvPr>
             <p:ph idx="2" type="sldImg"/>
@@ -1542,7 +1542,7 @@
       </p:sp>
       <p:sp>
         <p:nvSpPr>
-          <p:cNvPr id="96" name="Google Shape;96;g1eb3639a507_9_17:notes"/>
+          <p:cNvPr id="97" name="Google Shape;97;g1eb3639a507_9_17:notes"/>
           <p:cNvSpPr txBox="1"/>
           <p:nvPr>
             <p:ph idx="1" type="body"/>
@@ -1592,7 +1592,7 @@
   <p:cSld>
     <p:spTree>
       <p:nvGrpSpPr>
-        <p:cNvPr id="99" name="Shape 99"/>
+        <p:cNvPr id="100" name="Shape 100"/>
         <p:cNvGrpSpPr/>
         <p:nvPr/>
       </p:nvGrpSpPr>
@@ -1606,7 +1606,7 @@
       </p:grpSpPr>
       <p:sp>
         <p:nvSpPr>
-          <p:cNvPr id="100" name="Google Shape;100;g1eb3639a507_5_4:notes"/>
+          <p:cNvPr id="101" name="Google Shape;101;g1eb3639a507_5_4:notes"/>
           <p:cNvSpPr/>
           <p:nvPr>
             <p:ph idx="2" type="sldImg"/>
@@ -1641,7 +1641,7 @@
       </p:sp>
       <p:sp>
         <p:nvSpPr>
-          <p:cNvPr id="101" name="Google Shape;101;g1eb3639a507_5_4:notes"/>
+          <p:cNvPr id="102" name="Google Shape;102;g1eb3639a507_5_4:notes"/>
           <p:cNvSpPr txBox="1"/>
           <p:nvPr>
             <p:ph idx="1" type="body"/>
@@ -1691,7 +1691,7 @@
   <p:cSld>
     <p:spTree>
       <p:nvGrpSpPr>
-        <p:cNvPr id="105" name="Shape 105"/>
+        <p:cNvPr id="106" name="Shape 106"/>
         <p:cNvGrpSpPr/>
         <p:nvPr/>
       </p:nvGrpSpPr>
@@ -1705,7 +1705,7 @@
       </p:grpSpPr>
       <p:sp>
         <p:nvSpPr>
-          <p:cNvPr id="106" name="Google Shape;106;g1eb3639a507_9_23:notes"/>
+          <p:cNvPr id="107" name="Google Shape;107;g1eb3639a507_9_23:notes"/>
           <p:cNvSpPr/>
           <p:nvPr>
             <p:ph idx="2" type="sldImg"/>
@@ -1740,7 +1740,7 @@
       </p:sp>
       <p:sp>
         <p:nvSpPr>
-          <p:cNvPr id="107" name="Google Shape;107;g1eb3639a507_9_23:notes"/>
+          <p:cNvPr id="108" name="Google Shape;108;g1eb3639a507_9_23:notes"/>
           <p:cNvSpPr txBox="1"/>
           <p:nvPr>
             <p:ph idx="1" type="body"/>
@@ -6580,7 +6580,7 @@
   <p:cSld>
     <p:spTree>
       <p:nvGrpSpPr>
-        <p:cNvPr id="116" name="Shape 116"/>
+        <p:cNvPr id="117" name="Shape 117"/>
         <p:cNvGrpSpPr/>
         <p:nvPr/>
       </p:nvGrpSpPr>
@@ -6594,7 +6594,7 @@
       </p:grpSpPr>
       <p:sp>
         <p:nvSpPr>
-          <p:cNvPr id="117" name="Google Shape;117;p22"/>
+          <p:cNvPr id="118" name="Google Shape;118;p22"/>
           <p:cNvSpPr txBox="1"/>
           <p:nvPr>
             <p:ph type="title"/>
@@ -6634,7 +6634,7 @@
       </p:sp>
       <p:sp>
         <p:nvSpPr>
-          <p:cNvPr id="118" name="Google Shape;118;p22"/>
+          <p:cNvPr id="119" name="Google Shape;119;p22"/>
           <p:cNvSpPr txBox="1"/>
           <p:nvPr/>
         </p:nvSpPr>
@@ -6788,7 +6788,7 @@
       </p:sp>
       <p:pic>
         <p:nvPicPr>
-          <p:cNvPr id="119" name="Google Shape;119;p22"/>
+          <p:cNvPr id="120" name="Google Shape;120;p22"/>
           <p:cNvPicPr preferRelativeResize="0"/>
           <p:nvPr/>
         </p:nvPicPr>
@@ -6816,7 +6816,7 @@
       </p:pic>
       <p:pic>
         <p:nvPicPr>
-          <p:cNvPr id="120" name="Google Shape;120;p22"/>
+          <p:cNvPr id="121" name="Google Shape;121;p22"/>
           <p:cNvPicPr preferRelativeResize="0"/>
           <p:nvPr/>
         </p:nvPicPr>
@@ -6855,7 +6855,7 @@
   <p:cSld>
     <p:spTree>
       <p:nvGrpSpPr>
-        <p:cNvPr id="124" name="Shape 124"/>
+        <p:cNvPr id="125" name="Shape 125"/>
         <p:cNvGrpSpPr/>
         <p:nvPr/>
       </p:nvGrpSpPr>
@@ -6869,7 +6869,7 @@
       </p:grpSpPr>
       <p:pic>
         <p:nvPicPr>
-          <p:cNvPr id="125" name="Google Shape;125;p23"/>
+          <p:cNvPr id="126" name="Google Shape;126;p23"/>
           <p:cNvPicPr preferRelativeResize="0"/>
           <p:nvPr/>
         </p:nvPicPr>
@@ -6897,7 +6897,7 @@
       </p:pic>
       <p:sp>
         <p:nvSpPr>
-          <p:cNvPr id="126" name="Google Shape;126;p23"/>
+          <p:cNvPr id="127" name="Google Shape;127;p23"/>
           <p:cNvSpPr txBox="1"/>
           <p:nvPr>
             <p:ph type="title"/>
@@ -7767,6 +7767,34 @@
           </a:ln>
         </p:spPr>
       </p:pic>
+      <p:pic>
+        <p:nvPicPr>
+          <p:cNvPr id="94" name="Google Shape;94;p18"/>
+          <p:cNvPicPr preferRelativeResize="0"/>
+          <p:nvPr/>
+        </p:nvPicPr>
+        <p:blipFill>
+          <a:blip r:embed="rId6">
+            <a:alphaModFix/>
+          </a:blip>
+          <a:stretch>
+            <a:fillRect/>
+          </a:stretch>
+        </p:blipFill>
+        <p:spPr>
+          <a:xfrm>
+            <a:off x="5355500" y="1136350"/>
+            <a:ext cx="2705100" cy="1304925"/>
+          </a:xfrm>
+          <a:prstGeom prst="rect">
+            <a:avLst/>
+          </a:prstGeom>
+          <a:noFill/>
+          <a:ln>
+            <a:noFill/>
+          </a:ln>
+        </p:spPr>
+      </p:pic>
     </p:spTree>
   </p:cSld>
   <p:clrMapOvr>
@@ -7780,7 +7808,7 @@
   <p:cSld>
     <p:spTree>
       <p:nvGrpSpPr>
-        <p:cNvPr id="97" name="Shape 97"/>
+        <p:cNvPr id="98" name="Shape 98"/>
         <p:cNvGrpSpPr/>
         <p:nvPr/>
       </p:nvGrpSpPr>
@@ -7794,7 +7822,7 @@
       </p:grpSpPr>
       <p:pic>
         <p:nvPicPr>
-          <p:cNvPr id="98" name="Google Shape;98;p19"/>
+          <p:cNvPr id="99" name="Google Shape;99;p19"/>
           <p:cNvPicPr preferRelativeResize="0"/>
           <p:nvPr/>
         </p:nvPicPr>
@@ -7833,7 +7861,7 @@
   <p:cSld>
     <p:spTree>
       <p:nvGrpSpPr>
-        <p:cNvPr id="102" name="Shape 102"/>
+        <p:cNvPr id="103" name="Shape 103"/>
         <p:cNvGrpSpPr/>
         <p:nvPr/>
       </p:nvGrpSpPr>
@@ -7847,7 +7875,7 @@
       </p:grpSpPr>
       <p:sp>
         <p:nvSpPr>
-          <p:cNvPr id="103" name="Google Shape;103;p20"/>
+          <p:cNvPr id="104" name="Google Shape;104;p20"/>
           <p:cNvSpPr txBox="1"/>
           <p:nvPr>
             <p:ph type="title"/>
@@ -7887,7 +7915,7 @@
       </p:sp>
       <p:pic>
         <p:nvPicPr>
-          <p:cNvPr id="104" name="Google Shape;104;p20"/>
+          <p:cNvPr id="105" name="Google Shape;105;p20"/>
           <p:cNvPicPr preferRelativeResize="0"/>
           <p:nvPr/>
         </p:nvPicPr>
@@ -7926,7 +7954,7 @@
   <p:cSld>
     <p:spTree>
       <p:nvGrpSpPr>
-        <p:cNvPr id="108" name="Shape 108"/>
+        <p:cNvPr id="109" name="Shape 109"/>
         <p:cNvGrpSpPr/>
         <p:nvPr/>
       </p:nvGrpSpPr>
@@ -7940,7 +7968,7 @@
       </p:grpSpPr>
       <p:sp>
         <p:nvSpPr>
-          <p:cNvPr id="109" name="Google Shape;109;p21"/>
+          <p:cNvPr id="110" name="Google Shape;110;p21"/>
           <p:cNvSpPr txBox="1"/>
           <p:nvPr>
             <p:ph type="title"/>
@@ -7989,7 +8017,7 @@
       </p:sp>
       <p:sp>
         <p:nvSpPr>
-          <p:cNvPr id="110" name="Google Shape;110;p21"/>
+          <p:cNvPr id="111" name="Google Shape;111;p21"/>
           <p:cNvSpPr txBox="1"/>
           <p:nvPr/>
         </p:nvSpPr>
@@ -8055,7 +8083,7 @@
       </p:sp>
       <p:pic>
         <p:nvPicPr>
-          <p:cNvPr id="111" name="Google Shape;111;p21"/>
+          <p:cNvPr id="112" name="Google Shape;112;p21"/>
           <p:cNvPicPr preferRelativeResize="0"/>
           <p:nvPr/>
         </p:nvPicPr>
@@ -8083,7 +8111,7 @@
       </p:pic>
       <p:pic>
         <p:nvPicPr>
-          <p:cNvPr id="112" name="Google Shape;112;p21"/>
+          <p:cNvPr id="113" name="Google Shape;113;p21"/>
           <p:cNvPicPr preferRelativeResize="0"/>
           <p:nvPr/>
         </p:nvPicPr>
